--- a/Assignment1-Data Analysis-Covid19_Report on its impact on Students.pptx
+++ b/Assignment1-Data Analysis-Covid19_Report on its impact on Students.pptx
@@ -114,326 +114,38 @@
       </a:defRPr>
     </a:lvl9pPr>
   </p:defaultTextStyle>
+  <p:extLst>
+    <p:ext uri="{EFAFB233-063F-42B5-8137-9DF3F51BA10A}">
+      <p15:sldGuideLst xmlns:p15="http://schemas.microsoft.com/office/powerpoint/2012/main"/>
+    </p:ext>
+  </p:extLst>
 </p:presentation>
 </file>
 
-<file path=ppt/changesInfos/changesInfo1.xml><?xml version="1.0" encoding="utf-8"?>
-<pc:chgInfo xmlns:a="http://schemas.openxmlformats.org/drawingml/2006/main" xmlns:r="http://schemas.openxmlformats.org/officeDocument/2006/relationships" xmlns:ac="http://schemas.microsoft.com/office/drawing/2013/main/command" xmlns:pc="http://schemas.microsoft.com/office/powerpoint/2013/main/command">
-  <pc:docChgLst>
-    <pc:chgData name="Shruthi Astakar Shekar" userId="ba26060b3bdba043" providerId="LiveId" clId="{9C670F20-48D9-45C0-A89B-B8F4D13BF52B}"/>
-    <pc:docChg chg="undo redo custSel modSld sldOrd">
-      <pc:chgData name="Shruthi Astakar Shekar" userId="ba26060b3bdba043" providerId="LiveId" clId="{9C670F20-48D9-45C0-A89B-B8F4D13BF52B}" dt="2024-12-21T09:25:17.959" v="5554" actId="14100"/>
-      <pc:docMkLst>
-        <pc:docMk/>
-      </pc:docMkLst>
-      <pc:sldChg chg="addSp delSp modSp mod">
-        <pc:chgData name="Shruthi Astakar Shekar" userId="ba26060b3bdba043" providerId="LiveId" clId="{9C670F20-48D9-45C0-A89B-B8F4D13BF52B}" dt="2024-12-21T02:01:54.440" v="3543" actId="1076"/>
-        <pc:sldMkLst>
-          <pc:docMk/>
-          <pc:sldMk cId="3450607923" sldId="256"/>
-        </pc:sldMkLst>
-        <pc:spChg chg="add mod">
-          <ac:chgData name="Shruthi Astakar Shekar" userId="ba26060b3bdba043" providerId="LiveId" clId="{9C670F20-48D9-45C0-A89B-B8F4D13BF52B}" dt="2024-12-21T02:01:16" v="3541" actId="1582"/>
-          <ac:spMkLst>
-            <pc:docMk/>
-            <pc:sldMk cId="3450607923" sldId="256"/>
-            <ac:spMk id="10" creationId="{8ACC3D70-2115-F0FF-86BD-121F31B2B2F8}"/>
-          </ac:spMkLst>
-        </pc:spChg>
-        <pc:spChg chg="add mod">
-          <ac:chgData name="Shruthi Astakar Shekar" userId="ba26060b3bdba043" providerId="LiveId" clId="{9C670F20-48D9-45C0-A89B-B8F4D13BF52B}" dt="2024-12-21T02:01:54.440" v="3543" actId="1076"/>
-          <ac:spMkLst>
-            <pc:docMk/>
-            <pc:sldMk cId="3450607923" sldId="256"/>
-            <ac:spMk id="11" creationId="{0F4F8FED-DD2B-B14D-BEF1-64A08474A317}"/>
-          </ac:spMkLst>
-        </pc:spChg>
-        <pc:picChg chg="del">
-          <ac:chgData name="Shruthi Astakar Shekar" userId="ba26060b3bdba043" providerId="LiveId" clId="{9C670F20-48D9-45C0-A89B-B8F4D13BF52B}" dt="2024-12-21T01:55:48.203" v="3520" actId="478"/>
-          <ac:picMkLst>
-            <pc:docMk/>
-            <pc:sldMk cId="3450607923" sldId="256"/>
-            <ac:picMk id="7" creationId="{9DCF35BF-BD54-CF79-ADFC-7E122CC043E6}"/>
-          </ac:picMkLst>
-        </pc:picChg>
-        <pc:picChg chg="add">
-          <ac:chgData name="Shruthi Astakar Shekar" userId="ba26060b3bdba043" providerId="LiveId" clId="{9C670F20-48D9-45C0-A89B-B8F4D13BF52B}" dt="2024-12-21T01:55:49.121" v="3521" actId="22"/>
-          <ac:picMkLst>
-            <pc:docMk/>
-            <pc:sldMk cId="3450607923" sldId="256"/>
-            <ac:picMk id="9" creationId="{ECEF5162-96F9-C11B-5C5E-05C0C109C75B}"/>
-          </ac:picMkLst>
-        </pc:picChg>
-      </pc:sldChg>
-      <pc:sldChg chg="addSp delSp modSp mod">
-        <pc:chgData name="Shruthi Astakar Shekar" userId="ba26060b3bdba043" providerId="LiveId" clId="{9C670F20-48D9-45C0-A89B-B8F4D13BF52B}" dt="2024-12-21T03:59:09.383" v="3568" actId="22"/>
-        <pc:sldMkLst>
-          <pc:docMk/>
-          <pc:sldMk cId="3829813819" sldId="257"/>
-        </pc:sldMkLst>
-        <pc:spChg chg="add mod">
-          <ac:chgData name="Shruthi Astakar Shekar" userId="ba26060b3bdba043" providerId="LiveId" clId="{9C670F20-48D9-45C0-A89B-B8F4D13BF52B}" dt="2024-12-21T02:03:31.270" v="3551" actId="208"/>
-          <ac:spMkLst>
-            <pc:docMk/>
-            <pc:sldMk cId="3829813819" sldId="257"/>
-            <ac:spMk id="12" creationId="{D87DBB1A-7AD9-11B4-8E72-C1E963AC4A61}"/>
-          </ac:spMkLst>
-        </pc:spChg>
-        <pc:spChg chg="add mod">
-          <ac:chgData name="Shruthi Astakar Shekar" userId="ba26060b3bdba043" providerId="LiveId" clId="{9C670F20-48D9-45C0-A89B-B8F4D13BF52B}" dt="2024-12-21T02:04:04.235" v="3559" actId="14100"/>
-          <ac:spMkLst>
-            <pc:docMk/>
-            <pc:sldMk cId="3829813819" sldId="257"/>
-            <ac:spMk id="13" creationId="{A3414ABB-1D98-BA7C-627B-B2D704F2C86E}"/>
-          </ac:spMkLst>
-        </pc:spChg>
-        <pc:spChg chg="add mod">
-          <ac:chgData name="Shruthi Astakar Shekar" userId="ba26060b3bdba043" providerId="LiveId" clId="{9C670F20-48D9-45C0-A89B-B8F4D13BF52B}" dt="2024-12-21T02:03:52.233" v="3555" actId="14100"/>
-          <ac:spMkLst>
-            <pc:docMk/>
-            <pc:sldMk cId="3829813819" sldId="257"/>
-            <ac:spMk id="14" creationId="{178E347F-13C3-CCC5-0D4A-16178FA0F475}"/>
-          </ac:spMkLst>
-        </pc:spChg>
-        <pc:spChg chg="add mod">
-          <ac:chgData name="Shruthi Astakar Shekar" userId="ba26060b3bdba043" providerId="LiveId" clId="{9C670F20-48D9-45C0-A89B-B8F4D13BF52B}" dt="2024-12-21T02:04:22.190" v="3564" actId="1582"/>
-          <ac:spMkLst>
-            <pc:docMk/>
-            <pc:sldMk cId="3829813819" sldId="257"/>
-            <ac:spMk id="15" creationId="{9174CCCC-E5AD-215F-BB2C-743011FECA07}"/>
-          </ac:spMkLst>
-        </pc:spChg>
-        <pc:picChg chg="del">
-          <ac:chgData name="Shruthi Astakar Shekar" userId="ba26060b3bdba043" providerId="LiveId" clId="{9C670F20-48D9-45C0-A89B-B8F4D13BF52B}" dt="2024-12-21T01:35:09.079" v="3516" actId="478"/>
-          <ac:picMkLst>
-            <pc:docMk/>
-            <pc:sldMk cId="3829813819" sldId="257"/>
-            <ac:picMk id="5" creationId="{582D87D2-AD3D-D97D-B09B-146B216E8885}"/>
-          </ac:picMkLst>
-        </pc:picChg>
-        <pc:picChg chg="add del">
-          <ac:chgData name="Shruthi Astakar Shekar" userId="ba26060b3bdba043" providerId="LiveId" clId="{9C670F20-48D9-45C0-A89B-B8F4D13BF52B}" dt="2024-12-21T01:39:21.646" v="3518" actId="478"/>
-          <ac:picMkLst>
-            <pc:docMk/>
-            <pc:sldMk cId="3829813819" sldId="257"/>
-            <ac:picMk id="7" creationId="{AE52377B-0BC6-7281-F783-AC7DD9E662A5}"/>
-          </ac:picMkLst>
-        </pc:picChg>
-        <pc:picChg chg="add del">
-          <ac:chgData name="Shruthi Astakar Shekar" userId="ba26060b3bdba043" providerId="LiveId" clId="{9C670F20-48D9-45C0-A89B-B8F4D13BF52B}" dt="2024-12-21T01:56:23.082" v="3522" actId="478"/>
-          <ac:picMkLst>
-            <pc:docMk/>
-            <pc:sldMk cId="3829813819" sldId="257"/>
-            <ac:picMk id="9" creationId="{07078F1E-C502-A33E-63D3-83393B2122A4}"/>
-          </ac:picMkLst>
-        </pc:picChg>
-        <pc:picChg chg="add del">
-          <ac:chgData name="Shruthi Astakar Shekar" userId="ba26060b3bdba043" providerId="LiveId" clId="{9C670F20-48D9-45C0-A89B-B8F4D13BF52B}" dt="2024-12-21T03:59:08.443" v="3567" actId="478"/>
-          <ac:picMkLst>
-            <pc:docMk/>
-            <pc:sldMk cId="3829813819" sldId="257"/>
-            <ac:picMk id="11" creationId="{08CCCB37-1251-76E9-4F0B-BB0E8F0772A6}"/>
-          </ac:picMkLst>
-        </pc:picChg>
-        <pc:picChg chg="add">
-          <ac:chgData name="Shruthi Astakar Shekar" userId="ba26060b3bdba043" providerId="LiveId" clId="{9C670F20-48D9-45C0-A89B-B8F4D13BF52B}" dt="2024-12-21T03:59:09.383" v="3568" actId="22"/>
-          <ac:picMkLst>
-            <pc:docMk/>
-            <pc:sldMk cId="3829813819" sldId="257"/>
-            <ac:picMk id="17" creationId="{59DD18BD-0EBB-6E04-5052-3A07AB61E8B8}"/>
-          </ac:picMkLst>
-        </pc:picChg>
-      </pc:sldChg>
-      <pc:sldChg chg="addSp delSp mod">
-        <pc:chgData name="Shruthi Astakar Shekar" userId="ba26060b3bdba043" providerId="LiveId" clId="{9C670F20-48D9-45C0-A89B-B8F4D13BF52B}" dt="2024-12-21T03:59:51.284" v="3570" actId="22"/>
-        <pc:sldMkLst>
-          <pc:docMk/>
-          <pc:sldMk cId="161021375" sldId="258"/>
-        </pc:sldMkLst>
-        <pc:picChg chg="del">
-          <ac:chgData name="Shruthi Astakar Shekar" userId="ba26060b3bdba043" providerId="LiveId" clId="{9C670F20-48D9-45C0-A89B-B8F4D13BF52B}" dt="2024-12-21T01:56:53.914" v="3524" actId="478"/>
-          <ac:picMkLst>
-            <pc:docMk/>
-            <pc:sldMk cId="161021375" sldId="258"/>
-            <ac:picMk id="9" creationId="{67D0EA15-C1EB-ED7A-8ED5-F84A8B49D1E9}"/>
-          </ac:picMkLst>
-        </pc:picChg>
-        <pc:picChg chg="add del">
-          <ac:chgData name="Shruthi Astakar Shekar" userId="ba26060b3bdba043" providerId="LiveId" clId="{9C670F20-48D9-45C0-A89B-B8F4D13BF52B}" dt="2024-12-21T03:59:50.465" v="3569" actId="478"/>
-          <ac:picMkLst>
-            <pc:docMk/>
-            <pc:sldMk cId="161021375" sldId="258"/>
-            <ac:picMk id="11" creationId="{7C88AB16-921A-5903-E547-D16A4B14D21A}"/>
-          </ac:picMkLst>
-        </pc:picChg>
-        <pc:picChg chg="add">
-          <ac:chgData name="Shruthi Astakar Shekar" userId="ba26060b3bdba043" providerId="LiveId" clId="{9C670F20-48D9-45C0-A89B-B8F4D13BF52B}" dt="2024-12-21T03:59:51.284" v="3570" actId="22"/>
-          <ac:picMkLst>
-            <pc:docMk/>
-            <pc:sldMk cId="161021375" sldId="258"/>
-            <ac:picMk id="13" creationId="{BC8408D4-0098-1DA1-3DD9-EDA5F06DD31E}"/>
-          </ac:picMkLst>
-        </pc:picChg>
-      </pc:sldChg>
-      <pc:sldChg chg="addSp modSp mod modClrScheme chgLayout">
-        <pc:chgData name="Shruthi Astakar Shekar" userId="ba26060b3bdba043" providerId="LiveId" clId="{9C670F20-48D9-45C0-A89B-B8F4D13BF52B}" dt="2024-12-21T00:49:32.828" v="3479" actId="20577"/>
-        <pc:sldMkLst>
-          <pc:docMk/>
-          <pc:sldMk cId="1002614291" sldId="260"/>
-        </pc:sldMkLst>
-        <pc:spChg chg="add mod">
-          <ac:chgData name="Shruthi Astakar Shekar" userId="ba26060b3bdba043" providerId="LiveId" clId="{9C670F20-48D9-45C0-A89B-B8F4D13BF52B}" dt="2024-12-20T23:51:22.193" v="3313" actId="255"/>
-          <ac:spMkLst>
-            <pc:docMk/>
-            <pc:sldMk cId="1002614291" sldId="260"/>
-            <ac:spMk id="2" creationId="{7C743518-FF89-E738-8065-886C4C80828A}"/>
-          </ac:spMkLst>
-        </pc:spChg>
-        <pc:spChg chg="add mod">
-          <ac:chgData name="Shruthi Astakar Shekar" userId="ba26060b3bdba043" providerId="LiveId" clId="{9C670F20-48D9-45C0-A89B-B8F4D13BF52B}" dt="2024-12-20T23:52:00.735" v="3314" actId="313"/>
-          <ac:spMkLst>
-            <pc:docMk/>
-            <pc:sldMk cId="1002614291" sldId="260"/>
-            <ac:spMk id="3" creationId="{1AAD933E-3206-1B08-0A80-66DBF76EDBD0}"/>
-          </ac:spMkLst>
-        </pc:spChg>
-        <pc:spChg chg="add mod">
-          <ac:chgData name="Shruthi Astakar Shekar" userId="ba26060b3bdba043" providerId="LiveId" clId="{9C670F20-48D9-45C0-A89B-B8F4D13BF52B}" dt="2024-12-21T00:49:32.828" v="3479" actId="20577"/>
-          <ac:spMkLst>
-            <pc:docMk/>
-            <pc:sldMk cId="1002614291" sldId="260"/>
-            <ac:spMk id="4" creationId="{C66E01CA-C4AB-AD50-94A1-CFD06DE280BC}"/>
-          </ac:spMkLst>
-        </pc:spChg>
-      </pc:sldChg>
-      <pc:sldChg chg="addSp modSp mod modClrScheme chgLayout">
-        <pc:chgData name="Shruthi Astakar Shekar" userId="ba26060b3bdba043" providerId="LiveId" clId="{9C670F20-48D9-45C0-A89B-B8F4D13BF52B}" dt="2024-12-21T01:59:09.068" v="3537" actId="6549"/>
-        <pc:sldMkLst>
-          <pc:docMk/>
-          <pc:sldMk cId="2281386833" sldId="261"/>
-        </pc:sldMkLst>
-        <pc:spChg chg="add mod">
-          <ac:chgData name="Shruthi Astakar Shekar" userId="ba26060b3bdba043" providerId="LiveId" clId="{9C670F20-48D9-45C0-A89B-B8F4D13BF52B}" dt="2024-12-20T23:32:09.084" v="2802" actId="20577"/>
-          <ac:spMkLst>
-            <pc:docMk/>
-            <pc:sldMk cId="2281386833" sldId="261"/>
-            <ac:spMk id="2" creationId="{49131D36-A537-13F5-1743-E75CFD30F398}"/>
-          </ac:spMkLst>
-        </pc:spChg>
-        <pc:spChg chg="add mod">
-          <ac:chgData name="Shruthi Astakar Shekar" userId="ba26060b3bdba043" providerId="LiveId" clId="{9C670F20-48D9-45C0-A89B-B8F4D13BF52B}" dt="2024-12-21T01:59:09.068" v="3537" actId="6549"/>
-          <ac:spMkLst>
-            <pc:docMk/>
-            <pc:sldMk cId="2281386833" sldId="261"/>
-            <ac:spMk id="3" creationId="{E7821E39-ABB8-4524-74B8-14A4C83E4408}"/>
-          </ac:spMkLst>
-        </pc:spChg>
-      </pc:sldChg>
-      <pc:sldChg chg="addSp delSp modSp mod ord modClrScheme chgLayout">
-        <pc:chgData name="Shruthi Astakar Shekar" userId="ba26060b3bdba043" providerId="LiveId" clId="{9C670F20-48D9-45C0-A89B-B8F4D13BF52B}" dt="2024-12-21T09:25:17.959" v="5554" actId="14100"/>
-        <pc:sldMkLst>
-          <pc:docMk/>
-          <pc:sldMk cId="3714209123" sldId="262"/>
-        </pc:sldMkLst>
-        <pc:spChg chg="add del mod">
-          <ac:chgData name="Shruthi Astakar Shekar" userId="ba26060b3bdba043" providerId="LiveId" clId="{9C670F20-48D9-45C0-A89B-B8F4D13BF52B}" dt="2024-12-21T04:03:08.490" v="3576" actId="478"/>
-          <ac:spMkLst>
-            <pc:docMk/>
-            <pc:sldMk cId="3714209123" sldId="262"/>
-            <ac:spMk id="2" creationId="{58ABCF64-3C0F-4824-68CA-AD2368F10D5F}"/>
-          </ac:spMkLst>
-        </pc:spChg>
-        <pc:spChg chg="add del mod">
-          <ac:chgData name="Shruthi Astakar Shekar" userId="ba26060b3bdba043" providerId="LiveId" clId="{9C670F20-48D9-45C0-A89B-B8F4D13BF52B}" dt="2024-12-21T04:03:13.259" v="3578" actId="478"/>
-          <ac:spMkLst>
-            <pc:docMk/>
-            <pc:sldMk cId="3714209123" sldId="262"/>
-            <ac:spMk id="3" creationId="{DF480C08-536C-A43D-40D2-112D1FE8BE30}"/>
-          </ac:spMkLst>
-        </pc:spChg>
-        <pc:spChg chg="add del mod">
-          <ac:chgData name="Shruthi Astakar Shekar" userId="ba26060b3bdba043" providerId="LiveId" clId="{9C670F20-48D9-45C0-A89B-B8F4D13BF52B}" dt="2024-12-21T04:03:11.457" v="3577" actId="478"/>
-          <ac:spMkLst>
-            <pc:docMk/>
-            <pc:sldMk cId="3714209123" sldId="262"/>
-            <ac:spMk id="5" creationId="{78F9BB56-17E5-4107-832D-37BFC9AAB041}"/>
-          </ac:spMkLst>
-        </pc:spChg>
-        <pc:spChg chg="add mod">
-          <ac:chgData name="Shruthi Astakar Shekar" userId="ba26060b3bdba043" providerId="LiveId" clId="{9C670F20-48D9-45C0-A89B-B8F4D13BF52B}" dt="2024-12-21T08:41:55.211" v="3642" actId="122"/>
-          <ac:spMkLst>
-            <pc:docMk/>
-            <pc:sldMk cId="3714209123" sldId="262"/>
-            <ac:spMk id="6" creationId="{7B5988E1-650F-E4B1-8213-ACE283DA76A2}"/>
-          </ac:spMkLst>
-        </pc:spChg>
-        <pc:spChg chg="add mod">
-          <ac:chgData name="Shruthi Astakar Shekar" userId="ba26060b3bdba043" providerId="LiveId" clId="{9C670F20-48D9-45C0-A89B-B8F4D13BF52B}" dt="2024-12-21T09:24:57.812" v="5552" actId="1076"/>
-          <ac:spMkLst>
-            <pc:docMk/>
-            <pc:sldMk cId="3714209123" sldId="262"/>
-            <ac:spMk id="7" creationId="{9B8A893F-528F-1E31-618C-B6359C2CC566}"/>
-          </ac:spMkLst>
-        </pc:spChg>
-        <pc:spChg chg="add mod">
-          <ac:chgData name="Shruthi Astakar Shekar" userId="ba26060b3bdba043" providerId="LiveId" clId="{9C670F20-48D9-45C0-A89B-B8F4D13BF52B}" dt="2024-12-21T09:25:17.959" v="5554" actId="14100"/>
-          <ac:spMkLst>
-            <pc:docMk/>
-            <pc:sldMk cId="3714209123" sldId="262"/>
-            <ac:spMk id="8" creationId="{8CA0CBC6-6E4C-B367-F95F-D7D9B1BCC303}"/>
-          </ac:spMkLst>
-        </pc:spChg>
-        <pc:cxnChg chg="add mod">
-          <ac:chgData name="Shruthi Astakar Shekar" userId="ba26060b3bdba043" providerId="LiveId" clId="{9C670F20-48D9-45C0-A89B-B8F4D13BF52B}" dt="2024-12-21T09:25:03.519" v="5553" actId="1076"/>
-          <ac:cxnSpMkLst>
-            <pc:docMk/>
-            <pc:sldMk cId="3714209123" sldId="262"/>
-            <ac:cxnSpMk id="10" creationId="{19FF29F4-F47C-7595-6E9B-DCC79DD3F1A2}"/>
-          </ac:cxnSpMkLst>
-        </pc:cxnChg>
-      </pc:sldChg>
-      <pc:sldChg chg="addSp delSp modSp mod ord">
-        <pc:chgData name="Shruthi Astakar Shekar" userId="ba26060b3bdba043" providerId="LiveId" clId="{9C670F20-48D9-45C0-A89B-B8F4D13BF52B}" dt="2024-12-21T04:02:17.592" v="3574" actId="14100"/>
-        <pc:sldMkLst>
-          <pc:docMk/>
-          <pc:sldMk cId="4004252934" sldId="263"/>
-        </pc:sldMkLst>
-        <pc:picChg chg="add del">
-          <ac:chgData name="Shruthi Astakar Shekar" userId="ba26060b3bdba043" providerId="LiveId" clId="{9C670F20-48D9-45C0-A89B-B8F4D13BF52B}" dt="2024-12-21T01:57:23.343" v="3526" actId="478"/>
-          <ac:picMkLst>
-            <pc:docMk/>
-            <pc:sldMk cId="4004252934" sldId="263"/>
-            <ac:picMk id="3" creationId="{BA575244-D9B4-630D-7B6E-D8BA3812C815}"/>
-          </ac:picMkLst>
-        </pc:picChg>
-        <pc:picChg chg="add del">
-          <ac:chgData name="Shruthi Astakar Shekar" userId="ba26060b3bdba043" providerId="LiveId" clId="{9C670F20-48D9-45C0-A89B-B8F4D13BF52B}" dt="2024-12-21T02:07:33.978" v="3565" actId="478"/>
-          <ac:picMkLst>
-            <pc:docMk/>
-            <pc:sldMk cId="4004252934" sldId="263"/>
-            <ac:picMk id="5" creationId="{680C8BDD-CFB4-7835-52EA-1D27C3CC13E6}"/>
-          </ac:picMkLst>
-        </pc:picChg>
-        <pc:picChg chg="add del">
-          <ac:chgData name="Shruthi Astakar Shekar" userId="ba26060b3bdba043" providerId="LiveId" clId="{9C670F20-48D9-45C0-A89B-B8F4D13BF52B}" dt="2024-12-21T04:02:09.948" v="3571" actId="478"/>
-          <ac:picMkLst>
-            <pc:docMk/>
-            <pc:sldMk cId="4004252934" sldId="263"/>
-            <ac:picMk id="7" creationId="{C1E38CBA-3149-6B81-246A-1A1E58C812C7}"/>
-          </ac:picMkLst>
-        </pc:picChg>
-        <pc:picChg chg="add mod">
-          <ac:chgData name="Shruthi Astakar Shekar" userId="ba26060b3bdba043" providerId="LiveId" clId="{9C670F20-48D9-45C0-A89B-B8F4D13BF52B}" dt="2024-12-21T04:02:17.592" v="3574" actId="14100"/>
-          <ac:picMkLst>
-            <pc:docMk/>
-            <pc:sldMk cId="4004252934" sldId="263"/>
-            <ac:picMk id="9" creationId="{C318D43C-11DE-C356-851B-58946408080C}"/>
-          </ac:picMkLst>
-        </pc:picChg>
-      </pc:sldChg>
-    </pc:docChg>
-  </pc:docChgLst>
-</pc:chgInfo>
+<file path=ppt/ink/ink1.xml><?xml version="1.0" encoding="utf-8"?>
+<inkml:ink xmlns:inkml="http://www.w3.org/2003/InkML">
+  <inkml:definitions>
+    <inkml:context xml:id="ctx0">
+      <inkml:inkSource xml:id="inkSrc0">
+        <inkml:traceFormat>
+          <inkml:channel name="X" type="integer" min="-2.14748E9" max="2.14748E9" units="cm"/>
+          <inkml:channel name="Y" type="integer" min="-2.14748E9" max="2.14748E9" units="cm"/>
+        </inkml:traceFormat>
+        <inkml:channelProperties>
+          <inkml:channelProperty channel="X" name="resolution" value="1000" units="1/cm"/>
+          <inkml:channelProperty channel="Y" name="resolution" value="1000" units="1/cm"/>
+        </inkml:channelProperties>
+      </inkml:inkSource>
+      <inkml:timestamp xml:id="ts0" timeString="2024-12-21T22:01:32.879"/>
+    </inkml:context>
+    <inkml:brush xml:id="br0">
+      <inkml:brushProperty name="width" value="0.035" units="cm"/>
+      <inkml:brushProperty name="height" value="0.035" units="cm"/>
+      <inkml:brushProperty name="ignorePressure" value="1"/>
+    </inkml:brush>
+  </inkml:definitions>
+  <inkml:trace contextRef="#ctx0" brushRef="#br0">4 4,'-2'-1,"0"-1</inkml:trace>
+</inkml:ink>
 </file>
 
 <file path=ppt/notesMasters/notesMaster1.xml><?xml version="1.0" encoding="utf-8"?>
@@ -518,7 +230,7 @@
           <a:p>
             <a:fld id="{AFB3C85C-B88E-4889-9E23-099DA9D21A8C}" type="datetimeFigureOut">
               <a:rPr lang="en-US" smtClean="0"/>
-              <a:t>12/19/2024</a:t>
+              <a:t>12/21/2024</a:t>
             </a:fld>
             <a:endParaRPr lang="en-US"/>
           </a:p>
@@ -1724,7 +1436,7 @@
           <a:p>
             <a:fld id="{782924F0-703F-4275-BDFD-DA5832A1D114}" type="datetimeFigureOut">
               <a:rPr lang="en-US" smtClean="0"/>
-              <a:t>12/19/2024</a:t>
+              <a:t>12/21/2024</a:t>
             </a:fld>
             <a:endParaRPr lang="en-US"/>
           </a:p>
@@ -1922,7 +1634,7 @@
           <a:p>
             <a:fld id="{782924F0-703F-4275-BDFD-DA5832A1D114}" type="datetimeFigureOut">
               <a:rPr lang="en-US" smtClean="0"/>
-              <a:t>12/19/2024</a:t>
+              <a:t>12/21/2024</a:t>
             </a:fld>
             <a:endParaRPr lang="en-US"/>
           </a:p>
@@ -2130,7 +1842,7 @@
           <a:p>
             <a:fld id="{782924F0-703F-4275-BDFD-DA5832A1D114}" type="datetimeFigureOut">
               <a:rPr lang="en-US" smtClean="0"/>
-              <a:t>12/19/2024</a:t>
+              <a:t>12/21/2024</a:t>
             </a:fld>
             <a:endParaRPr lang="en-US"/>
           </a:p>
@@ -2328,7 +2040,7 @@
           <a:p>
             <a:fld id="{782924F0-703F-4275-BDFD-DA5832A1D114}" type="datetimeFigureOut">
               <a:rPr lang="en-US" smtClean="0"/>
-              <a:t>12/19/2024</a:t>
+              <a:t>12/21/2024</a:t>
             </a:fld>
             <a:endParaRPr lang="en-US"/>
           </a:p>
@@ -2603,7 +2315,7 @@
           <a:p>
             <a:fld id="{782924F0-703F-4275-BDFD-DA5832A1D114}" type="datetimeFigureOut">
               <a:rPr lang="en-US" smtClean="0"/>
-              <a:t>12/19/2024</a:t>
+              <a:t>12/21/2024</a:t>
             </a:fld>
             <a:endParaRPr lang="en-US"/>
           </a:p>
@@ -2868,7 +2580,7 @@
           <a:p>
             <a:fld id="{782924F0-703F-4275-BDFD-DA5832A1D114}" type="datetimeFigureOut">
               <a:rPr lang="en-US" smtClean="0"/>
-              <a:t>12/19/2024</a:t>
+              <a:t>12/21/2024</a:t>
             </a:fld>
             <a:endParaRPr lang="en-US"/>
           </a:p>
@@ -3280,7 +2992,7 @@
           <a:p>
             <a:fld id="{782924F0-703F-4275-BDFD-DA5832A1D114}" type="datetimeFigureOut">
               <a:rPr lang="en-US" smtClean="0"/>
-              <a:t>12/19/2024</a:t>
+              <a:t>12/21/2024</a:t>
             </a:fld>
             <a:endParaRPr lang="en-US"/>
           </a:p>
@@ -3421,7 +3133,7 @@
           <a:p>
             <a:fld id="{782924F0-703F-4275-BDFD-DA5832A1D114}" type="datetimeFigureOut">
               <a:rPr lang="en-US" smtClean="0"/>
-              <a:t>12/19/2024</a:t>
+              <a:t>12/21/2024</a:t>
             </a:fld>
             <a:endParaRPr lang="en-US"/>
           </a:p>
@@ -3534,7 +3246,7 @@
           <a:p>
             <a:fld id="{782924F0-703F-4275-BDFD-DA5832A1D114}" type="datetimeFigureOut">
               <a:rPr lang="en-US" smtClean="0"/>
-              <a:t>12/19/2024</a:t>
+              <a:t>12/21/2024</a:t>
             </a:fld>
             <a:endParaRPr lang="en-US"/>
           </a:p>
@@ -3845,7 +3557,7 @@
           <a:p>
             <a:fld id="{782924F0-703F-4275-BDFD-DA5832A1D114}" type="datetimeFigureOut">
               <a:rPr lang="en-US" smtClean="0"/>
-              <a:t>12/19/2024</a:t>
+              <a:t>12/21/2024</a:t>
             </a:fld>
             <a:endParaRPr lang="en-US"/>
           </a:p>
@@ -4133,7 +3845,7 @@
           <a:p>
             <a:fld id="{782924F0-703F-4275-BDFD-DA5832A1D114}" type="datetimeFigureOut">
               <a:rPr lang="en-US" smtClean="0"/>
-              <a:t>12/19/2024</a:t>
+              <a:t>12/21/2024</a:t>
             </a:fld>
             <a:endParaRPr lang="en-US"/>
           </a:p>
@@ -4374,7 +4086,7 @@
           <a:p>
             <a:fld id="{782924F0-703F-4275-BDFD-DA5832A1D114}" type="datetimeFigureOut">
               <a:rPr lang="en-US" smtClean="0"/>
-              <a:t>12/19/2024</a:t>
+              <a:t>12/21/2024</a:t>
             </a:fld>
             <a:endParaRPr lang="en-US"/>
           </a:p>
@@ -6893,7 +6605,7 @@
                   </a:schemeClr>
                 </a:solidFill>
               </a:rPr>
-              <a:t>Links to Dashboards I created</a:t>
+              <a:t>Links to Dashboards I created on Tableau Public</a:t>
             </a:r>
           </a:p>
           <a:p>
@@ -7649,10 +7361,10 @@
       </p:grpSpPr>
       <p:pic>
         <p:nvPicPr>
-          <p:cNvPr id="9" name="Picture 8">
-            <a:extLst>
-              <a:ext uri="{FF2B5EF4-FFF2-40B4-BE49-F238E27FC236}">
-                <a16:creationId xmlns:a16="http://schemas.microsoft.com/office/drawing/2014/main" id="{C318D43C-11DE-C356-851B-58946408080C}"/>
+          <p:cNvPr id="3" name="Picture 2">
+            <a:extLst>
+              <a:ext uri="{FF2B5EF4-FFF2-40B4-BE49-F238E27FC236}">
+                <a16:creationId xmlns:a16="http://schemas.microsoft.com/office/drawing/2014/main" id="{E8446C4A-0CD8-E97A-F6B2-FC4B3BB935E5}"/>
               </a:ext>
             </a:extLst>
           </p:cNvPr>
@@ -7669,14 +7381,66 @@
         </p:blipFill>
         <p:spPr>
           <a:xfrm>
-            <a:off x="0" y="243114"/>
-            <a:ext cx="12192000" cy="6371772"/>
+            <a:off x="0" y="225934"/>
+            <a:ext cx="12192000" cy="6406131"/>
           </a:xfrm>
           <a:prstGeom prst="rect">
             <a:avLst/>
           </a:prstGeom>
         </p:spPr>
       </p:pic>
+      <p:sp>
+        <p:nvSpPr>
+          <p:cNvPr id="4" name="Rectangle 3">
+            <a:extLst>
+              <a:ext uri="{FF2B5EF4-FFF2-40B4-BE49-F238E27FC236}">
+                <a16:creationId xmlns:a16="http://schemas.microsoft.com/office/drawing/2014/main" id="{8A7E2B71-7DC8-3B64-B66F-FA43040ED0A1}"/>
+              </a:ext>
+            </a:extLst>
+          </p:cNvPr>
+          <p:cNvSpPr/>
+          <p:nvPr/>
+        </p:nvSpPr>
+        <p:spPr>
+          <a:xfrm>
+            <a:off x="2590800" y="3860800"/>
+            <a:ext cx="527050" cy="254000"/>
+          </a:xfrm>
+          <a:prstGeom prst="rect">
+            <a:avLst/>
+          </a:prstGeom>
+          <a:noFill/>
+          <a:ln w="19050">
+            <a:solidFill>
+              <a:srgbClr val="FF0000"/>
+            </a:solidFill>
+          </a:ln>
+        </p:spPr>
+        <p:style>
+          <a:lnRef idx="2">
+            <a:schemeClr val="accent1">
+              <a:shade val="15000"/>
+            </a:schemeClr>
+          </a:lnRef>
+          <a:fillRef idx="1">
+            <a:schemeClr val="accent1"/>
+          </a:fillRef>
+          <a:effectRef idx="0">
+            <a:schemeClr val="accent1"/>
+          </a:effectRef>
+          <a:fontRef idx="minor">
+            <a:schemeClr val="lt1"/>
+          </a:fontRef>
+        </p:style>
+        <p:txBody>
+          <a:bodyPr rtlCol="0" anchor="ctr"/>
+          <a:lstStyle/>
+          <a:p>
+            <a:pPr algn="ctr"/>
+            <a:endParaRPr lang="en-US"/>
+          </a:p>
+        </p:txBody>
+      </p:sp>
     </p:spTree>
     <p:extLst>
       <p:ext uri="{BB962C8B-B14F-4D97-AF65-F5344CB8AC3E}">
@@ -7751,7 +7515,7 @@
           <a:p>
             <a:pPr algn="ctr"/>
             <a:r>
-              <a:rPr lang="en-US" sz="2000" b="1" dirty="0">
+              <a:rPr lang="en-US" sz="2000" b="1" u="sng" dirty="0">
                 <a:solidFill>
                   <a:srgbClr val="47EFEB"/>
                 </a:solidFill>
@@ -7779,13 +7543,13 @@
         </p:nvSpPr>
         <p:spPr>
           <a:xfrm>
-            <a:off x="298450" y="361950"/>
-            <a:ext cx="5181600" cy="6356349"/>
+            <a:off x="298450" y="501650"/>
+            <a:ext cx="5181600" cy="6216649"/>
           </a:xfrm>
         </p:spPr>
         <p:txBody>
           <a:bodyPr>
-            <a:normAutofit lnSpcReduction="10000"/>
+            <a:normAutofit fontScale="85000" lnSpcReduction="20000"/>
           </a:bodyPr>
           <a:lstStyle/>
           <a:p>
@@ -8173,7 +7937,18 @@
                   </a:schemeClr>
                 </a:solidFill>
               </a:rPr>
-              <a:t>12. Top 5 Stress Busters</a:t>
+              <a:t>12. </a:t>
+            </a:r>
+            <a:r>
+              <a:rPr lang="en-US" sz="1000" u="sng" dirty="0">
+                <a:solidFill>
+                  <a:schemeClr val="accent4">
+                    <a:lumMod val="20000"/>
+                    <a:lumOff val="80000"/>
+                  </a:schemeClr>
+                </a:solidFill>
+              </a:rPr>
+              <a:t>Top 5 Stress Busters</a:t>
             </a:r>
           </a:p>
           <a:p>
@@ -8350,13 +8125,13 @@
         </p:nvSpPr>
         <p:spPr>
           <a:xfrm>
-            <a:off x="5880100" y="419100"/>
-            <a:ext cx="6311900" cy="6356349"/>
+            <a:off x="5880100" y="425450"/>
+            <a:ext cx="6311900" cy="6349999"/>
           </a:xfrm>
         </p:spPr>
         <p:txBody>
           <a:bodyPr>
-            <a:normAutofit lnSpcReduction="10000"/>
+            <a:normAutofit fontScale="85000" lnSpcReduction="20000"/>
           </a:bodyPr>
           <a:lstStyle/>
           <a:p>
@@ -8437,7 +8212,18 @@
                   </a:schemeClr>
                 </a:solidFill>
               </a:rPr>
-              <a:t>14. Most Used devices in each Age Group</a:t>
+              <a:t>14. </a:t>
+            </a:r>
+            <a:r>
+              <a:rPr lang="en-US" sz="1000" u="sng" dirty="0">
+                <a:solidFill>
+                  <a:schemeClr val="accent4">
+                    <a:lumMod val="20000"/>
+                    <a:lumOff val="80000"/>
+                  </a:schemeClr>
+                </a:solidFill>
+              </a:rPr>
+              <a:t>Highly Used devices from each Age Group</a:t>
             </a:r>
             <a:br>
               <a:rPr lang="en-US" sz="1000" dirty="0">
@@ -8477,7 +8263,7 @@
                   </a:schemeClr>
                 </a:solidFill>
               </a:rPr>
-              <a:t>] - Smartphone</a:t>
+              <a:t>] -  Smartphone : 60.26%</a:t>
             </a:r>
             <a:br>
               <a:rPr lang="en-US" sz="1000" dirty="0">
@@ -8517,7 +8303,7 @@
                   </a:schemeClr>
                 </a:solidFill>
               </a:rPr>
-              <a:t>]</a:t>
+              <a:t>] – Laptop/Desktop : 51.29%</a:t>
             </a:r>
             <a:br>
               <a:rPr lang="en-US" sz="1000" dirty="0">
@@ -8557,7 +8343,37 @@
                   </a:schemeClr>
                 </a:solidFill>
               </a:rPr>
-              <a:t>].</a:t>
+              <a:t>] – Laptop/Desktop : 58.70%</a:t>
+            </a:r>
+          </a:p>
+          <a:p>
+            <a:pPr marL="0" indent="0">
+              <a:lnSpc>
+                <a:spcPct val="160000"/>
+              </a:lnSpc>
+              <a:buNone/>
+            </a:pPr>
+            <a:r>
+              <a:rPr lang="en-US" sz="1000" dirty="0">
+                <a:solidFill>
+                  <a:schemeClr val="accent4">
+                    <a:lumMod val="20000"/>
+                    <a:lumOff val="80000"/>
+                  </a:schemeClr>
+                </a:solidFill>
+              </a:rPr>
+              <a:t>15. </a:t>
+            </a:r>
+            <a:r>
+              <a:rPr lang="en-US" sz="1000" u="sng" dirty="0">
+                <a:solidFill>
+                  <a:schemeClr val="accent4">
+                    <a:lumMod val="20000"/>
+                    <a:lumOff val="80000"/>
+                  </a:schemeClr>
+                </a:solidFill>
+              </a:rPr>
+              <a:t>Health conditions of Students</a:t>
             </a:r>
             <a:br>
               <a:rPr lang="en-US" sz="1000" dirty="0">
@@ -8569,6 +8385,36 @@
                 </a:solidFill>
               </a:rPr>
             </a:br>
+            <a:r>
+              <a:rPr lang="en-US" sz="1000" dirty="0">
+                <a:solidFill>
+                  <a:schemeClr val="accent4">
+                    <a:lumMod val="20000"/>
+                    <a:lumOff val="80000"/>
+                  </a:schemeClr>
+                </a:solidFill>
+              </a:rPr>
+              <a:t>      - 13.62 % of Students </a:t>
+            </a:r>
+            <a:r>
+              <a:rPr lang="en-US" sz="1000" dirty="0">
+                <a:solidFill>
+                  <a:srgbClr val="FF0000"/>
+                </a:solidFill>
+              </a:rPr>
+              <a:t>faced Health issues </a:t>
+            </a:r>
+            <a:r>
+              <a:rPr lang="en-US" sz="1000" dirty="0">
+                <a:solidFill>
+                  <a:schemeClr val="accent4">
+                    <a:lumMod val="20000"/>
+                    <a:lumOff val="80000"/>
+                  </a:schemeClr>
+                </a:solidFill>
+              </a:rPr>
+              <a:t>during the pandemic</a:t>
+            </a:r>
             <a:br>
               <a:rPr lang="en-US" sz="1000" dirty="0">
                 <a:solidFill>
@@ -8579,6 +8425,36 @@
                 </a:solidFill>
               </a:rPr>
             </a:br>
+            <a:r>
+              <a:rPr lang="en-US" sz="1000" dirty="0">
+                <a:solidFill>
+                  <a:schemeClr val="accent4">
+                    <a:lumMod val="20000"/>
+                    <a:lumOff val="80000"/>
+                  </a:schemeClr>
+                </a:solidFill>
+              </a:rPr>
+              <a:t>      - 86.38 % of Students </a:t>
+            </a:r>
+            <a:r>
+              <a:rPr lang="en-US" sz="1000" dirty="0">
+                <a:solidFill>
+                  <a:srgbClr val="FF0000"/>
+                </a:solidFill>
+              </a:rPr>
+              <a:t>DID NOT face Health issues</a:t>
+            </a:r>
+            <a:r>
+              <a:rPr lang="en-US" sz="1000" dirty="0">
+                <a:solidFill>
+                  <a:schemeClr val="accent4">
+                    <a:lumMod val="20000"/>
+                    <a:lumOff val="80000"/>
+                  </a:schemeClr>
+                </a:solidFill>
+              </a:rPr>
+              <a:t> during the pandemic</a:t>
+            </a:r>
             <a:br>
               <a:rPr lang="en-US" sz="1000" dirty="0">
                 <a:solidFill>
@@ -8589,6 +8465,36 @@
                 </a:solidFill>
               </a:rPr>
             </a:br>
+            <a:r>
+              <a:rPr lang="en-US" sz="1000" dirty="0">
+                <a:solidFill>
+                  <a:schemeClr val="accent4">
+                    <a:lumMod val="20000"/>
+                    <a:lumOff val="80000"/>
+                  </a:schemeClr>
+                </a:solidFill>
+              </a:rPr>
+              <a:t>      - 37.06 % of Students </a:t>
+            </a:r>
+            <a:r>
+              <a:rPr lang="en-US" sz="1000" dirty="0">
+                <a:solidFill>
+                  <a:srgbClr val="FF0000"/>
+                </a:solidFill>
+              </a:rPr>
+              <a:t>INCREASED</a:t>
+            </a:r>
+            <a:r>
+              <a:rPr lang="en-US" sz="1000" dirty="0">
+                <a:solidFill>
+                  <a:schemeClr val="accent4">
+                    <a:lumMod val="20000"/>
+                    <a:lumOff val="80000"/>
+                  </a:schemeClr>
+                </a:solidFill>
+              </a:rPr>
+              <a:t> in their weight during the pandemic</a:t>
+            </a:r>
             <a:br>
               <a:rPr lang="en-US" sz="1000" dirty="0">
                 <a:solidFill>
@@ -8608,17 +8514,649 @@
                   </a:schemeClr>
                 </a:solidFill>
               </a:rPr>
-              <a:t>         </a:t>
-            </a:r>
-          </a:p>
-        </p:txBody>
-      </p:sp>
+              <a:t>      - 17.68 % of Students </a:t>
+            </a:r>
+            <a:r>
+              <a:rPr lang="en-US" sz="1000" dirty="0">
+                <a:solidFill>
+                  <a:srgbClr val="FF0000"/>
+                </a:solidFill>
+              </a:rPr>
+              <a:t>DECREASED</a:t>
+            </a:r>
+            <a:r>
+              <a:rPr lang="en-US" sz="1000" dirty="0">
+                <a:solidFill>
+                  <a:schemeClr val="accent4">
+                    <a:lumMod val="20000"/>
+                    <a:lumOff val="80000"/>
+                  </a:schemeClr>
+                </a:solidFill>
+              </a:rPr>
+              <a:t> in their weight during the pandemic</a:t>
+            </a:r>
+            <a:br>
+              <a:rPr lang="en-US" sz="1000" dirty="0">
+                <a:solidFill>
+                  <a:schemeClr val="accent4">
+                    <a:lumMod val="20000"/>
+                    <a:lumOff val="80000"/>
+                  </a:schemeClr>
+                </a:solidFill>
+              </a:rPr>
+            </a:br>
+            <a:r>
+              <a:rPr lang="en-US" sz="1000" dirty="0">
+                <a:solidFill>
+                  <a:schemeClr val="accent4">
+                    <a:lumMod val="20000"/>
+                    <a:lumOff val="80000"/>
+                  </a:schemeClr>
+                </a:solidFill>
+              </a:rPr>
+              <a:t>      - 45.26 % of Students weight </a:t>
+            </a:r>
+            <a:r>
+              <a:rPr lang="en-US" sz="1000" dirty="0">
+                <a:solidFill>
+                  <a:srgbClr val="FF0000"/>
+                </a:solidFill>
+              </a:rPr>
+              <a:t>REMAINED THE SAME </a:t>
+            </a:r>
+            <a:r>
+              <a:rPr lang="en-US" sz="1000" dirty="0">
+                <a:solidFill>
+                  <a:schemeClr val="accent4">
+                    <a:lumMod val="20000"/>
+                    <a:lumOff val="80000"/>
+                  </a:schemeClr>
+                </a:solidFill>
+              </a:rPr>
+              <a:t>during the pandemic</a:t>
+            </a:r>
+          </a:p>
+          <a:p>
+            <a:pPr marL="0" indent="0">
+              <a:lnSpc>
+                <a:spcPct val="160000"/>
+              </a:lnSpc>
+              <a:buNone/>
+            </a:pPr>
+            <a:r>
+              <a:rPr lang="en-US" sz="1000" dirty="0">
+                <a:solidFill>
+                  <a:schemeClr val="accent4">
+                    <a:lumMod val="20000"/>
+                    <a:lumOff val="80000"/>
+                  </a:schemeClr>
+                </a:solidFill>
+              </a:rPr>
+              <a:t>16. </a:t>
+            </a:r>
+            <a:r>
+              <a:rPr lang="en-US" sz="1000" u="sng" dirty="0">
+                <a:solidFill>
+                  <a:schemeClr val="accent4">
+                    <a:lumMod val="20000"/>
+                    <a:lumOff val="80000"/>
+                  </a:schemeClr>
+                </a:solidFill>
+              </a:rPr>
+              <a:t>Time Utilized by Students</a:t>
+            </a:r>
+            <a:br>
+              <a:rPr lang="en-US" sz="1000" dirty="0">
+                <a:solidFill>
+                  <a:schemeClr val="accent4">
+                    <a:lumMod val="20000"/>
+                    <a:lumOff val="80000"/>
+                  </a:schemeClr>
+                </a:solidFill>
+              </a:rPr>
+            </a:br>
+            <a:r>
+              <a:rPr lang="en-US" sz="1000" dirty="0">
+                <a:solidFill>
+                  <a:schemeClr val="accent4">
+                    <a:lumMod val="20000"/>
+                    <a:lumOff val="80000"/>
+                  </a:schemeClr>
+                </a:solidFill>
+              </a:rPr>
+              <a:t>      - 48.56 % of Students </a:t>
+            </a:r>
+            <a:r>
+              <a:rPr lang="en-US" sz="1000" dirty="0">
+                <a:solidFill>
+                  <a:srgbClr val="FF0000"/>
+                </a:solidFill>
+              </a:rPr>
+              <a:t>Utilized their time well </a:t>
+            </a:r>
+            <a:r>
+              <a:rPr lang="en-US" sz="1000" dirty="0">
+                <a:solidFill>
+                  <a:schemeClr val="accent4">
+                    <a:lumMod val="20000"/>
+                    <a:lumOff val="80000"/>
+                  </a:schemeClr>
+                </a:solidFill>
+              </a:rPr>
+              <a:t>during the pandemic</a:t>
+            </a:r>
+            <a:br>
+              <a:rPr lang="en-US" sz="1000" dirty="0">
+                <a:solidFill>
+                  <a:schemeClr val="accent4">
+                    <a:lumMod val="20000"/>
+                    <a:lumOff val="80000"/>
+                  </a:schemeClr>
+                </a:solidFill>
+              </a:rPr>
+            </a:br>
+            <a:r>
+              <a:rPr lang="en-US" sz="1000" dirty="0">
+                <a:solidFill>
+                  <a:schemeClr val="accent4">
+                    <a:lumMod val="20000"/>
+                    <a:lumOff val="80000"/>
+                  </a:schemeClr>
+                </a:solidFill>
+              </a:rPr>
+              <a:t>      - 51.44 % of Students </a:t>
+            </a:r>
+            <a:r>
+              <a:rPr lang="en-US" sz="1000" dirty="0">
+                <a:solidFill>
+                  <a:srgbClr val="FF0000"/>
+                </a:solidFill>
+              </a:rPr>
+              <a:t>DID NOT Utilized their time well </a:t>
+            </a:r>
+            <a:r>
+              <a:rPr lang="en-US" sz="1000" dirty="0">
+                <a:solidFill>
+                  <a:schemeClr val="accent4">
+                    <a:lumMod val="20000"/>
+                    <a:lumOff val="80000"/>
+                  </a:schemeClr>
+                </a:solidFill>
+              </a:rPr>
+              <a:t>during the pandemic</a:t>
+            </a:r>
+          </a:p>
+          <a:p>
+            <a:pPr marL="0" indent="0">
+              <a:lnSpc>
+                <a:spcPct val="160000"/>
+              </a:lnSpc>
+              <a:buNone/>
+            </a:pPr>
+            <a:r>
+              <a:rPr lang="en-US" sz="1000" dirty="0">
+                <a:solidFill>
+                  <a:schemeClr val="accent4">
+                    <a:lumMod val="20000"/>
+                    <a:lumOff val="80000"/>
+                  </a:schemeClr>
+                </a:solidFill>
+              </a:rPr>
+              <a:t>17. </a:t>
+            </a:r>
+            <a:r>
+              <a:rPr lang="en-US" sz="1000" u="sng" dirty="0">
+                <a:solidFill>
+                  <a:schemeClr val="accent4">
+                    <a:lumMod val="20000"/>
+                    <a:lumOff val="80000"/>
+                  </a:schemeClr>
+                </a:solidFill>
+              </a:rPr>
+              <a:t>Feeling Socially connected</a:t>
+            </a:r>
+            <a:br>
+              <a:rPr lang="en-US" sz="1000" dirty="0">
+                <a:solidFill>
+                  <a:schemeClr val="accent4">
+                    <a:lumMod val="20000"/>
+                    <a:lumOff val="80000"/>
+                  </a:schemeClr>
+                </a:solidFill>
+              </a:rPr>
+            </a:br>
+            <a:r>
+              <a:rPr lang="en-US" sz="1000" dirty="0">
+                <a:solidFill>
+                  <a:schemeClr val="accent4">
+                    <a:lumMod val="20000"/>
+                    <a:lumOff val="80000"/>
+                  </a:schemeClr>
+                </a:solidFill>
+              </a:rPr>
+              <a:t>      - 70.30 % of Students reported they were </a:t>
+            </a:r>
+            <a:r>
+              <a:rPr lang="en-US" sz="1000" dirty="0">
+                <a:solidFill>
+                  <a:srgbClr val="FF0000"/>
+                </a:solidFill>
+              </a:rPr>
+              <a:t>Socially Connected </a:t>
+            </a:r>
+            <a:r>
+              <a:rPr lang="en-US" sz="1000" dirty="0">
+                <a:solidFill>
+                  <a:schemeClr val="accent4">
+                    <a:lumMod val="20000"/>
+                    <a:lumOff val="80000"/>
+                  </a:schemeClr>
+                </a:solidFill>
+              </a:rPr>
+              <a:t>during the pandemic</a:t>
+            </a:r>
+            <a:br>
+              <a:rPr lang="en-US" sz="1000" dirty="0">
+                <a:solidFill>
+                  <a:schemeClr val="accent4">
+                    <a:lumMod val="20000"/>
+                    <a:lumOff val="80000"/>
+                  </a:schemeClr>
+                </a:solidFill>
+              </a:rPr>
+            </a:br>
+            <a:r>
+              <a:rPr lang="en-US" sz="1000" dirty="0">
+                <a:solidFill>
+                  <a:schemeClr val="accent4">
+                    <a:lumMod val="20000"/>
+                    <a:lumOff val="80000"/>
+                  </a:schemeClr>
+                </a:solidFill>
+              </a:rPr>
+              <a:t>      - 29.70 % of Students reported they were </a:t>
+            </a:r>
+            <a:r>
+              <a:rPr lang="en-US" sz="1000" dirty="0">
+                <a:solidFill>
+                  <a:srgbClr val="FF0000"/>
+                </a:solidFill>
+              </a:rPr>
+              <a:t>NOT</a:t>
+            </a:r>
+            <a:r>
+              <a:rPr lang="en-US" sz="1000" dirty="0">
+                <a:solidFill>
+                  <a:schemeClr val="accent4">
+                    <a:lumMod val="20000"/>
+                    <a:lumOff val="80000"/>
+                  </a:schemeClr>
+                </a:solidFill>
+              </a:rPr>
+              <a:t> </a:t>
+            </a:r>
+            <a:r>
+              <a:rPr lang="en-US" sz="1000" dirty="0">
+                <a:solidFill>
+                  <a:srgbClr val="FF0000"/>
+                </a:solidFill>
+              </a:rPr>
+              <a:t>Socially Connected </a:t>
+            </a:r>
+            <a:r>
+              <a:rPr lang="en-US" sz="1000" dirty="0">
+                <a:solidFill>
+                  <a:schemeClr val="accent4">
+                    <a:lumMod val="20000"/>
+                    <a:lumOff val="80000"/>
+                  </a:schemeClr>
+                </a:solidFill>
+              </a:rPr>
+              <a:t>during the pandemic</a:t>
+            </a:r>
+          </a:p>
+          <a:p>
+            <a:pPr marL="0" indent="0">
+              <a:lnSpc>
+                <a:spcPct val="160000"/>
+              </a:lnSpc>
+              <a:buNone/>
+            </a:pPr>
+            <a:r>
+              <a:rPr lang="en-US" sz="1000" dirty="0">
+                <a:solidFill>
+                  <a:schemeClr val="accent4">
+                    <a:lumMod val="20000"/>
+                    <a:lumOff val="80000"/>
+                  </a:schemeClr>
+                </a:solidFill>
+              </a:rPr>
+              <a:t>18. </a:t>
+            </a:r>
+            <a:r>
+              <a:rPr lang="en-US" sz="1000" u="sng" dirty="0">
+                <a:solidFill>
+                  <a:schemeClr val="accent4">
+                    <a:lumMod val="20000"/>
+                    <a:lumOff val="80000"/>
+                  </a:schemeClr>
+                </a:solidFill>
+              </a:rPr>
+              <a:t>Top 4 Social Media  platform used during Pandemic</a:t>
+            </a:r>
+            <a:br>
+              <a:rPr lang="en-US" sz="1000" dirty="0">
+                <a:solidFill>
+                  <a:schemeClr val="accent4">
+                    <a:lumMod val="20000"/>
+                    <a:lumOff val="80000"/>
+                  </a:schemeClr>
+                </a:solidFill>
+              </a:rPr>
+            </a:br>
+            <a:r>
+              <a:rPr lang="en-US" sz="1000" dirty="0">
+                <a:solidFill>
+                  <a:schemeClr val="accent4">
+                    <a:lumMod val="20000"/>
+                    <a:lumOff val="80000"/>
+                  </a:schemeClr>
+                </a:solidFill>
+              </a:rPr>
+              <a:t>       1. Instagram – 29.7% Students spent 2.91 Hrs. on an average Daily on Instagram</a:t>
+            </a:r>
+            <a:br>
+              <a:rPr lang="en-US" sz="1000" dirty="0">
+                <a:solidFill>
+                  <a:schemeClr val="accent4">
+                    <a:lumMod val="20000"/>
+                    <a:lumOff val="80000"/>
+                  </a:schemeClr>
+                </a:solidFill>
+              </a:rPr>
+            </a:br>
+            <a:r>
+              <a:rPr lang="en-US" sz="1000" dirty="0">
+                <a:solidFill>
+                  <a:schemeClr val="accent4">
+                    <a:lumMod val="20000"/>
+                    <a:lumOff val="80000"/>
+                  </a:schemeClr>
+                </a:solidFill>
+              </a:rPr>
+              <a:t>       2. YouTube – 26.57% Students spent 2.23 Hrs. on an average Daily on YouTube</a:t>
+            </a:r>
+            <a:br>
+              <a:rPr lang="en-US" sz="1000" dirty="0">
+                <a:solidFill>
+                  <a:schemeClr val="accent4">
+                    <a:lumMod val="20000"/>
+                    <a:lumOff val="80000"/>
+                  </a:schemeClr>
+                </a:solidFill>
+              </a:rPr>
+            </a:br>
+            <a:r>
+              <a:rPr lang="en-US" sz="1000" dirty="0">
+                <a:solidFill>
+                  <a:schemeClr val="accent4">
+                    <a:lumMod val="20000"/>
+                    <a:lumOff val="80000"/>
+                  </a:schemeClr>
+                </a:solidFill>
+              </a:rPr>
+              <a:t>       3. WhatsApp – 28.51% Students spent 1.93 Hrs. on an average Daily on WhatsApp</a:t>
+            </a:r>
+            <a:br>
+              <a:rPr lang="en-US" sz="1000" dirty="0">
+                <a:solidFill>
+                  <a:schemeClr val="accent4">
+                    <a:lumMod val="20000"/>
+                    <a:lumOff val="80000"/>
+                  </a:schemeClr>
+                </a:solidFill>
+              </a:rPr>
+            </a:br>
+            <a:r>
+              <a:rPr lang="en-US" sz="1000" dirty="0">
+                <a:solidFill>
+                  <a:schemeClr val="accent4">
+                    <a:lumMod val="20000"/>
+                    <a:lumOff val="80000"/>
+                  </a:schemeClr>
+                </a:solidFill>
+              </a:rPr>
+              <a:t>       3. Facebook –4.40% Students spent 2.78 Hrs. on an average Daily on Facebook</a:t>
+            </a:r>
+          </a:p>
+          <a:p>
+            <a:pPr marL="0" indent="0">
+              <a:lnSpc>
+                <a:spcPct val="160000"/>
+              </a:lnSpc>
+              <a:buNone/>
+            </a:pPr>
+            <a:r>
+              <a:rPr lang="en-US" sz="1000" dirty="0">
+                <a:solidFill>
+                  <a:schemeClr val="accent4">
+                    <a:lumMod val="20000"/>
+                    <a:lumOff val="80000"/>
+                  </a:schemeClr>
+                </a:solidFill>
+              </a:rPr>
+              <a:t>19. 1.52% of the Students did not spend any time on any social Media platforms</a:t>
+            </a:r>
+          </a:p>
+          <a:p>
+            <a:pPr marL="0" indent="0">
+              <a:lnSpc>
+                <a:spcPct val="160000"/>
+              </a:lnSpc>
+              <a:buNone/>
+            </a:pPr>
+            <a:r>
+              <a:rPr lang="en-US" sz="1000" dirty="0">
+                <a:solidFill>
+                  <a:schemeClr val="accent4">
+                    <a:lumMod val="20000"/>
+                    <a:lumOff val="80000"/>
+                  </a:schemeClr>
+                </a:solidFill>
+              </a:rPr>
+              <a:t>20 . </a:t>
+            </a:r>
+            <a:r>
+              <a:rPr lang="en-US" sz="1000" u="sng" dirty="0">
+                <a:solidFill>
+                  <a:schemeClr val="accent4">
+                    <a:lumMod val="20000"/>
+                    <a:lumOff val="80000"/>
+                  </a:schemeClr>
+                </a:solidFill>
+              </a:rPr>
+              <a:t>Highly Used Social Media Platforms from each Age Group</a:t>
+            </a:r>
+            <a:br>
+              <a:rPr lang="en-US" sz="1000" dirty="0">
+                <a:solidFill>
+                  <a:schemeClr val="accent4">
+                    <a:lumMod val="20000"/>
+                    <a:lumOff val="80000"/>
+                  </a:schemeClr>
+                </a:solidFill>
+              </a:rPr>
+            </a:br>
+            <a:r>
+              <a:rPr lang="en-US" sz="1000" dirty="0">
+                <a:solidFill>
+                  <a:schemeClr val="accent4">
+                    <a:lumMod val="20000"/>
+                    <a:lumOff val="80000"/>
+                  </a:schemeClr>
+                </a:solidFill>
+              </a:rPr>
+              <a:t>      -Age Group 7-17 [</a:t>
+            </a:r>
+            <a:r>
+              <a:rPr lang="en-US" sz="1000" dirty="0">
+                <a:solidFill>
+                  <a:srgbClr val="FF0000"/>
+                </a:solidFill>
+              </a:rPr>
+              <a:t>School Group</a:t>
+            </a:r>
+            <a:r>
+              <a:rPr lang="en-US" sz="1000" dirty="0">
+                <a:solidFill>
+                  <a:schemeClr val="accent4">
+                    <a:lumMod val="20000"/>
+                    <a:lumOff val="80000"/>
+                  </a:schemeClr>
+                </a:solidFill>
+              </a:rPr>
+              <a:t>] -  YouTube : 39.98%</a:t>
+            </a:r>
+            <a:br>
+              <a:rPr lang="en-US" sz="1000" dirty="0">
+                <a:solidFill>
+                  <a:schemeClr val="accent4">
+                    <a:lumMod val="20000"/>
+                    <a:lumOff val="80000"/>
+                  </a:schemeClr>
+                </a:solidFill>
+              </a:rPr>
+            </a:br>
+            <a:r>
+              <a:rPr lang="en-US" sz="1000" dirty="0">
+                <a:solidFill>
+                  <a:schemeClr val="accent4">
+                    <a:lumMod val="20000"/>
+                    <a:lumOff val="80000"/>
+                  </a:schemeClr>
+                </a:solidFill>
+              </a:rPr>
+              <a:t>      -Age Group 18-22 [</a:t>
+            </a:r>
+            <a:r>
+              <a:rPr lang="en-US" sz="1000" dirty="0">
+                <a:solidFill>
+                  <a:srgbClr val="FF0000"/>
+                </a:solidFill>
+              </a:rPr>
+              <a:t>College Group</a:t>
+            </a:r>
+            <a:r>
+              <a:rPr lang="en-US" sz="1000" dirty="0">
+                <a:solidFill>
+                  <a:schemeClr val="accent4">
+                    <a:lumMod val="20000"/>
+                    <a:lumOff val="80000"/>
+                  </a:schemeClr>
+                </a:solidFill>
+              </a:rPr>
+              <a:t>] –Instagram : 39.37%</a:t>
+            </a:r>
+            <a:br>
+              <a:rPr lang="en-US" sz="1000" dirty="0">
+                <a:solidFill>
+                  <a:schemeClr val="accent4">
+                    <a:lumMod val="20000"/>
+                    <a:lumOff val="80000"/>
+                  </a:schemeClr>
+                </a:solidFill>
+              </a:rPr>
+            </a:br>
+            <a:r>
+              <a:rPr lang="en-US" sz="1000" dirty="0">
+                <a:solidFill>
+                  <a:schemeClr val="accent4">
+                    <a:lumMod val="20000"/>
+                    <a:lumOff val="80000"/>
+                  </a:schemeClr>
+                </a:solidFill>
+              </a:rPr>
+              <a:t>      -Age Group 23-59 [</a:t>
+            </a:r>
+            <a:r>
+              <a:rPr lang="en-US" sz="1000" dirty="0">
+                <a:solidFill>
+                  <a:srgbClr val="FF0000"/>
+                </a:solidFill>
+              </a:rPr>
+              <a:t>Adult Group</a:t>
+            </a:r>
+            <a:r>
+              <a:rPr lang="en-US" sz="1000" dirty="0">
+                <a:solidFill>
+                  <a:schemeClr val="accent4">
+                    <a:lumMod val="20000"/>
+                    <a:lumOff val="80000"/>
+                  </a:schemeClr>
+                </a:solidFill>
+              </a:rPr>
+              <a:t>] – WhatsApp: 5.92%     </a:t>
+            </a:r>
+          </a:p>
+        </p:txBody>
+      </p:sp>
+      <mc:AlternateContent xmlns:mc="http://schemas.openxmlformats.org/markup-compatibility/2006">
+        <mc:Choice xmlns:p14="http://schemas.microsoft.com/office/powerpoint/2010/main" Requires="p14">
+          <p:contentPart p14:bwMode="auto" r:id="rId3">
+            <p14:nvContentPartPr>
+              <p14:cNvPr id="3" name="Ink 2">
+                <a:extLst>
+                  <a:ext uri="{FF2B5EF4-FFF2-40B4-BE49-F238E27FC236}">
+                    <a16:creationId xmlns:a16="http://schemas.microsoft.com/office/drawing/2014/main" id="{BC0EEAB0-B850-3F8E-729E-50901AAADB45}"/>
+                  </a:ext>
+                </a:extLst>
+              </p14:cNvPr>
+              <p14:cNvContentPartPr/>
+              <p14:nvPr/>
+            </p14:nvContentPartPr>
+            <p14:xfrm>
+              <a:off x="3688760" y="1274020"/>
+              <a:ext cx="1800" cy="1800"/>
+            </p14:xfrm>
+          </p:contentPart>
+        </mc:Choice>
+        <mc:Fallback>
+          <p:pic>
+            <p:nvPicPr>
+              <p:cNvPr id="3" name="Ink 2">
+                <a:extLst>
+                  <a:ext uri="{FF2B5EF4-FFF2-40B4-BE49-F238E27FC236}">
+                    <a16:creationId xmlns:a16="http://schemas.microsoft.com/office/drawing/2014/main" id="{BC0EEAB0-B850-3F8E-729E-50901AAADB45}"/>
+                  </a:ext>
+                </a:extLst>
+              </p:cNvPr>
+              <p:cNvPicPr/>
+              <p:nvPr/>
+            </p:nvPicPr>
+            <p:blipFill>
+              <a:blip r:embed="rId4"/>
+              <a:stretch>
+                <a:fillRect/>
+              </a:stretch>
+            </p:blipFill>
+            <p:spPr>
+              <a:xfrm>
+                <a:off x="3682640" y="1267900"/>
+                <a:ext cx="14040" cy="14040"/>
+              </a:xfrm>
+              <a:prstGeom prst="rect">
+                <a:avLst/>
+              </a:prstGeom>
+            </p:spPr>
+          </p:pic>
+        </mc:Fallback>
+      </mc:AlternateContent>
       <p:cxnSp>
         <p:nvCxnSpPr>
-          <p:cNvPr id="10" name="Straight Connector 9">
-            <a:extLst>
-              <a:ext uri="{FF2B5EF4-FFF2-40B4-BE49-F238E27FC236}">
-                <a16:creationId xmlns:a16="http://schemas.microsoft.com/office/drawing/2014/main" id="{19FF29F4-F47C-7595-6E9B-DCC79DD3F1A2}"/>
+          <p:cNvPr id="5" name="Straight Connector 4">
+            <a:extLst>
+              <a:ext uri="{FF2B5EF4-FFF2-40B4-BE49-F238E27FC236}">
+                <a16:creationId xmlns:a16="http://schemas.microsoft.com/office/drawing/2014/main" id="{F64DE97D-FD82-F7F5-EC72-62068750BEEB}"/>
               </a:ext>
             </a:extLst>
           </p:cNvPr>
@@ -8629,8 +9167,8 @@
         </p:nvCxnSpPr>
         <p:spPr>
           <a:xfrm>
-            <a:off x="5645150" y="482600"/>
-            <a:ext cx="69850" cy="6451600"/>
+            <a:off x="5645150" y="425450"/>
+            <a:ext cx="0" cy="6483350"/>
           </a:xfrm>
           <a:prstGeom prst="line">
             <a:avLst/>
